--- a/Final_AICTE_PPT.pptx
+++ b/Final_AICTE_PPT.pptx
@@ -4842,7 +4842,45 @@
                   </a:extLst>
                 </a:hlinkClick>
               </a:rPr>
-              <a:t>https://github.com/AkashSeervi2003/AICTE_Edunet-foundation-AI-Powered-Health-Assistant-main.git</a:t>
+              <a:t>https://github.com/AkashSeervi2003/AICTE</a:t>
+            </a:r>
+            <a:r>
+              <a:rPr lang="en-IN" sz="2400" u="sng">
+                <a:solidFill>
+                  <a:schemeClr val="tx2">
+                    <a:lumMod val="75000"/>
+                    <a:lumOff val="25000"/>
+                  </a:schemeClr>
+                </a:solidFill>
+                <a:latin typeface="-apple-system"/>
+                <a:hlinkClick r:id="rId2">
+                  <a:extLst>
+                    <a:ext uri="{A12FA001-AC4F-418D-AE19-62706E023703}">
+                      <ahyp:hlinkClr xmlns:ahyp="http://schemas.microsoft.com/office/drawing/2018/hyperlinkcolor" val="tx"/>
+                    </a:ext>
+                  </a:extLst>
+                </a:hlinkClick>
+              </a:rPr>
+              <a:t>_Edunet-foundation-AI-Powered-Health-Assistant.</a:t>
+            </a:r>
+            <a:r>
+              <a:rPr lang="en-IN" sz="2400" u="sng" dirty="0">
+                <a:solidFill>
+                  <a:schemeClr val="tx2">
+                    <a:lumMod val="75000"/>
+                    <a:lumOff val="25000"/>
+                  </a:schemeClr>
+                </a:solidFill>
+                <a:latin typeface="-apple-system"/>
+                <a:hlinkClick r:id="rId2">
+                  <a:extLst>
+                    <a:ext uri="{A12FA001-AC4F-418D-AE19-62706E023703}">
+                      <ahyp:hlinkClr xmlns:ahyp="http://schemas.microsoft.com/office/drawing/2018/hyperlinkcolor" val="tx"/>
+                    </a:ext>
+                  </a:extLst>
+                </a:hlinkClick>
+              </a:rPr>
+              <a:t>git</a:t>
             </a:r>
             <a:endParaRPr lang="en-IN" sz="2400" u="sng" dirty="0">
               <a:solidFill>
@@ -6829,7 +6867,7 @@
                   </a:extLst>
                 </a:hlinkClick>
               </a:rPr>
-              <a:t>https://github.com/AkashSeervi2003/AICTE_Edunet-foundation-AI-Powered-Health-Assistant-main.git</a:t>
+              <a:t>https://github.com/AkashSeervi2003/AICTE_Edunet-foundation-AI-Powered-Health-Assistant.git</a:t>
             </a:r>
             <a:endParaRPr lang="en-IN" sz="2300" u="sng" dirty="0">
               <a:solidFill>

--- a/Final_AICTE_PPT.pptx
+++ b/Final_AICTE_PPT.pptx
@@ -3594,7 +3594,7 @@
           </p:nvPr>
         </p:nvPicPr>
         <p:blipFill>
-          <a:blip r:embed="rId2" cstate="print">
+          <a:blip r:embed="rId2">
             <a:extLst>
               <a:ext uri="{28A0092B-C50C-407E-A947-70E740481C1C}">
                 <a14:useLocalDpi xmlns:a14="http://schemas.microsoft.com/office/drawing/2010/main" val="0"/>
@@ -3602,9 +3602,7 @@
             </a:extLst>
           </a:blip>
           <a:srcRect/>
-          <a:stretch>
-            <a:fillRect/>
-          </a:stretch>
+          <a:stretch/>
         </p:blipFill>
         <p:spPr bwMode="auto">
           <a:xfrm>
@@ -3827,7 +3825,7 @@
           </p:nvPr>
         </p:nvPicPr>
         <p:blipFill>
-          <a:blip r:embed="rId2" cstate="print">
+          <a:blip r:embed="rId2">
             <a:extLst>
               <a:ext uri="{28A0092B-C50C-407E-A947-70E740481C1C}">
                 <a14:useLocalDpi xmlns:a14="http://schemas.microsoft.com/office/drawing/2010/main" val="0"/>
@@ -3835,9 +3833,7 @@
             </a:extLst>
           </a:blip>
           <a:srcRect/>
-          <a:stretch>
-            <a:fillRect/>
-          </a:stretch>
+          <a:stretch/>
         </p:blipFill>
         <p:spPr bwMode="auto">
           <a:xfrm>
@@ -6612,7 +6608,7 @@
         </p:nvSpPr>
         <p:spPr>
           <a:xfrm>
-            <a:off x="838199" y="1929384"/>
+            <a:off x="838199" y="1899567"/>
             <a:ext cx="11108635" cy="4526914"/>
           </a:xfrm>
         </p:spPr>
@@ -13225,7 +13221,7 @@
           </p:nvPr>
         </p:nvPicPr>
         <p:blipFill>
-          <a:blip r:embed="rId2" cstate="print">
+          <a:blip r:embed="rId2">
             <a:extLst>
               <a:ext uri="{28A0092B-C50C-407E-A947-70E740481C1C}">
                 <a14:useLocalDpi xmlns:a14="http://schemas.microsoft.com/office/drawing/2010/main" val="0"/>
@@ -13233,9 +13229,7 @@
             </a:extLst>
           </a:blip>
           <a:srcRect/>
-          <a:stretch>
-            <a:fillRect/>
-          </a:stretch>
+          <a:stretch/>
         </p:blipFill>
         <p:spPr bwMode="auto">
           <a:xfrm>

--- a/Final_AICTE_PPT.pptx
+++ b/Final_AICTE_PPT.pptx
@@ -4838,45 +4838,7 @@
                   </a:extLst>
                 </a:hlinkClick>
               </a:rPr>
-              <a:t>https://github.com/AkashSeervi2003/AICTE</a:t>
-            </a:r>
-            <a:r>
-              <a:rPr lang="en-IN" sz="2400" u="sng">
-                <a:solidFill>
-                  <a:schemeClr val="tx2">
-                    <a:lumMod val="75000"/>
-                    <a:lumOff val="25000"/>
-                  </a:schemeClr>
-                </a:solidFill>
-                <a:latin typeface="-apple-system"/>
-                <a:hlinkClick r:id="rId2">
-                  <a:extLst>
-                    <a:ext uri="{A12FA001-AC4F-418D-AE19-62706E023703}">
-                      <ahyp:hlinkClr xmlns:ahyp="http://schemas.microsoft.com/office/drawing/2018/hyperlinkcolor" val="tx"/>
-                    </a:ext>
-                  </a:extLst>
-                </a:hlinkClick>
-              </a:rPr>
-              <a:t>_Edunet-foundation-AI-Powered-Health-Assistant.</a:t>
-            </a:r>
-            <a:r>
-              <a:rPr lang="en-IN" sz="2400" u="sng" dirty="0">
-                <a:solidFill>
-                  <a:schemeClr val="tx2">
-                    <a:lumMod val="75000"/>
-                    <a:lumOff val="25000"/>
-                  </a:schemeClr>
-                </a:solidFill>
-                <a:latin typeface="-apple-system"/>
-                <a:hlinkClick r:id="rId2">
-                  <a:extLst>
-                    <a:ext uri="{A12FA001-AC4F-418D-AE19-62706E023703}">
-                      <ahyp:hlinkClr xmlns:ahyp="http://schemas.microsoft.com/office/drawing/2018/hyperlinkcolor" val="tx"/>
-                    </a:ext>
-                  </a:extLst>
-                </a:hlinkClick>
-              </a:rPr>
-              <a:t>git</a:t>
+              <a:t>https://github.com/AkashSeervi2003/AICTE_Edunet-foundation-AI-Powered-Health-Assistant.git</a:t>
             </a:r>
             <a:endParaRPr lang="en-IN" sz="2400" u="sng" dirty="0">
               <a:solidFill>
@@ -6831,13 +6793,13 @@
               <a:buNone/>
             </a:pPr>
             <a:r>
-              <a:rPr lang="en-IN" sz="2600" dirty="0">
+              <a:rPr lang="en-IN" sz="2400" dirty="0">
                 <a:latin typeface="Franklin Gothic Book"/>
               </a:rPr>
               <a:t>GitHub Link:</a:t>
             </a:r>
             <a:r>
-              <a:rPr lang="en-IN" sz="2600" dirty="0">
+              <a:rPr lang="en-IN" sz="2400" dirty="0">
                 <a:solidFill>
                   <a:srgbClr val="0070C0"/>
                 </a:solidFill>
@@ -6846,14 +6808,13 @@
               <a:t> </a:t>
             </a:r>
             <a:r>
-              <a:rPr lang="en-IN" sz="2300" b="0" i="0" u="sng" dirty="0">
+              <a:rPr lang="en-IN" sz="2500" u="sng" dirty="0">
                 <a:solidFill>
                   <a:schemeClr val="tx2">
                     <a:lumMod val="75000"/>
                     <a:lumOff val="25000"/>
                   </a:schemeClr>
                 </a:solidFill>
-                <a:effectLst/>
                 <a:latin typeface="-apple-system"/>
                 <a:hlinkClick r:id="rId2">
                   <a:extLst>
@@ -6865,7 +6826,7 @@
               </a:rPr>
               <a:t>https://github.com/AkashSeervi2003/AICTE_Edunet-foundation-AI-Powered-Health-Assistant.git</a:t>
             </a:r>
-            <a:endParaRPr lang="en-IN" sz="2300" u="sng" dirty="0">
+            <a:endParaRPr lang="en-IN" sz="2500" u="sng" dirty="0">
               <a:solidFill>
                 <a:schemeClr val="tx2">
                   <a:lumMod val="75000"/>
